--- a/2018 Slides/glasgowazureusergroup.pptx
+++ b/2018 Slides/glasgowazureusergroup.pptx
@@ -136,7 +136,7 @@
           <pc:sldMk cId="4279086723" sldId="256"/>
         </pc:sldMkLst>
         <pc:spChg chg="add del mod">
-          <ac:chgData name="Sarah Lean" userId="1389be42-f55e-4bb3-a8ee-72ec9f14779f" providerId="ADAL" clId="{3358FDA0-CA97-443C-B11F-55A3B5DF4F9B}" dt="2018-05-31T09:58:34.308" v="117"/>
+          <ac:chgData name="Sarah Lean" userId="1389be42-f55e-4bb3-a8ee-72ec9f14779f" providerId="ADAL" clId="{3358FDA0-CA97-443C-B11F-55A3B5DF4F9B}" dt="2018-05-31T09:58:34.308" v="117" actId="403"/>
           <ac:spMkLst>
             <pc:docMk/>
             <pc:sldMk cId="4279086723" sldId="256"/>
@@ -375,7 +375,7 @@
           <a:p>
             <a:fld id="{1F0BD816-9A3A-4BB3-9BB4-7DC3AD6D52E8}" type="datetimeFigureOut">
               <a:rPr lang="en-US" smtClean="0"/>
-              <a:t>5/31/2018</a:t>
+              <a:t>6/27/2018</a:t>
             </a:fld>
             <a:endParaRPr lang="en-US"/>
           </a:p>
@@ -573,7 +573,7 @@
           <a:p>
             <a:fld id="{1F0BD816-9A3A-4BB3-9BB4-7DC3AD6D52E8}" type="datetimeFigureOut">
               <a:rPr lang="en-US" smtClean="0"/>
-              <a:t>5/31/2018</a:t>
+              <a:t>6/27/2018</a:t>
             </a:fld>
             <a:endParaRPr lang="en-US"/>
           </a:p>
@@ -781,7 +781,7 @@
           <a:p>
             <a:fld id="{1F0BD816-9A3A-4BB3-9BB4-7DC3AD6D52E8}" type="datetimeFigureOut">
               <a:rPr lang="en-US" smtClean="0"/>
-              <a:t>5/31/2018</a:t>
+              <a:t>6/27/2018</a:t>
             </a:fld>
             <a:endParaRPr lang="en-US"/>
           </a:p>
@@ -979,7 +979,7 @@
           <a:p>
             <a:fld id="{1F0BD816-9A3A-4BB3-9BB4-7DC3AD6D52E8}" type="datetimeFigureOut">
               <a:rPr lang="en-US" smtClean="0"/>
-              <a:t>5/31/2018</a:t>
+              <a:t>6/27/2018</a:t>
             </a:fld>
             <a:endParaRPr lang="en-US"/>
           </a:p>
@@ -1254,7 +1254,7 @@
           <a:p>
             <a:fld id="{1F0BD816-9A3A-4BB3-9BB4-7DC3AD6D52E8}" type="datetimeFigureOut">
               <a:rPr lang="en-US" smtClean="0"/>
-              <a:t>5/31/2018</a:t>
+              <a:t>6/27/2018</a:t>
             </a:fld>
             <a:endParaRPr lang="en-US"/>
           </a:p>
@@ -1519,7 +1519,7 @@
           <a:p>
             <a:fld id="{1F0BD816-9A3A-4BB3-9BB4-7DC3AD6D52E8}" type="datetimeFigureOut">
               <a:rPr lang="en-US" smtClean="0"/>
-              <a:t>5/31/2018</a:t>
+              <a:t>6/27/2018</a:t>
             </a:fld>
             <a:endParaRPr lang="en-US"/>
           </a:p>
@@ -1931,7 +1931,7 @@
           <a:p>
             <a:fld id="{1F0BD816-9A3A-4BB3-9BB4-7DC3AD6D52E8}" type="datetimeFigureOut">
               <a:rPr lang="en-US" smtClean="0"/>
-              <a:t>5/31/2018</a:t>
+              <a:t>6/27/2018</a:t>
             </a:fld>
             <a:endParaRPr lang="en-US"/>
           </a:p>
@@ -2072,7 +2072,7 @@
           <a:p>
             <a:fld id="{1F0BD816-9A3A-4BB3-9BB4-7DC3AD6D52E8}" type="datetimeFigureOut">
               <a:rPr lang="en-US" smtClean="0"/>
-              <a:t>5/31/2018</a:t>
+              <a:t>6/27/2018</a:t>
             </a:fld>
             <a:endParaRPr lang="en-US"/>
           </a:p>
@@ -2185,7 +2185,7 @@
           <a:p>
             <a:fld id="{1F0BD816-9A3A-4BB3-9BB4-7DC3AD6D52E8}" type="datetimeFigureOut">
               <a:rPr lang="en-US" smtClean="0"/>
-              <a:t>5/31/2018</a:t>
+              <a:t>6/27/2018</a:t>
             </a:fld>
             <a:endParaRPr lang="en-US"/>
           </a:p>
@@ -2496,7 +2496,7 @@
           <a:p>
             <a:fld id="{1F0BD816-9A3A-4BB3-9BB4-7DC3AD6D52E8}" type="datetimeFigureOut">
               <a:rPr lang="en-US" smtClean="0"/>
-              <a:t>5/31/2018</a:t>
+              <a:t>6/27/2018</a:t>
             </a:fld>
             <a:endParaRPr lang="en-US"/>
           </a:p>
@@ -2784,7 +2784,7 @@
           <a:p>
             <a:fld id="{1F0BD816-9A3A-4BB3-9BB4-7DC3AD6D52E8}" type="datetimeFigureOut">
               <a:rPr lang="en-US" smtClean="0"/>
-              <a:t>5/31/2018</a:t>
+              <a:t>6/27/2018</a:t>
             </a:fld>
             <a:endParaRPr lang="en-US"/>
           </a:p>
@@ -3025,7 +3025,7 @@
           <a:p>
             <a:fld id="{1F0BD816-9A3A-4BB3-9BB4-7DC3AD6D52E8}" type="datetimeFigureOut">
               <a:rPr lang="en-US" smtClean="0"/>
-              <a:t>5/31/2018</a:t>
+              <a:t>6/27/2018</a:t>
             </a:fld>
             <a:endParaRPr lang="en-US"/>
           </a:p>
@@ -3511,7 +3511,7 @@
         </p:nvSpPr>
         <p:spPr>
           <a:xfrm>
-            <a:off x="457200" y="5176446"/>
+            <a:off x="294967" y="5069479"/>
             <a:ext cx="5758962" cy="1323439"/>
           </a:xfrm>
           <a:prstGeom prst="rect">
@@ -3532,7 +3532,7 @@
                 </a:solidFill>
                 <a:latin typeface="Font Awesome 5 Brands Regular" panose="02000503000000000000" pitchFamily="50" charset="0"/>
               </a:rPr>
-              <a:t>  </a:t>
+              <a:t> </a:t>
             </a:r>
             <a:r>
               <a:rPr lang="en-GB" sz="4000" dirty="0">
@@ -3542,8 +3542,6 @@
               </a:rPr>
               <a:t>www.gaug.co.uk</a:t>
             </a:r>
-          </a:p>
-          <a:p>
             <a:r>
               <a:rPr lang="en-GB" sz="4000" dirty="0">
                 <a:solidFill>
@@ -3551,7 +3549,7 @@
                 </a:solidFill>
                 <a:latin typeface="Font Awesome 5 Brands Regular" panose="02000503000000000000" pitchFamily="50" charset="0"/>
               </a:rPr>
-              <a:t> </a:t>
+              <a:t> </a:t>
             </a:r>
             <a:r>
               <a:rPr lang="en-GB" sz="4000" dirty="0">
@@ -4159,15 +4157,6 @@
 </file>
 
 <file path=customXml/item2.xml><?xml version="1.0" encoding="utf-8"?>
-<?mso-contentType ?>
-<FormTemplates xmlns="http://schemas.microsoft.com/sharepoint/v3/contenttype/forms">
-  <Display>DocumentLibraryForm</Display>
-  <Edit>DocumentLibraryForm</Edit>
-  <New>DocumentLibraryForm</New>
-</FormTemplates>
-</file>
-
-<file path=customXml/item3.xml><?xml version="1.0" encoding="utf-8"?>
 <ct:contentTypeSchema xmlns:ct="http://schemas.microsoft.com/office/2006/metadata/contentType" xmlns:ma="http://schemas.microsoft.com/office/2006/metadata/properties/metaAttributes" ct:_="" ma:_="" ma:contentTypeName="Document" ma:contentTypeID="0x010100BA8C308102DE0B4AA0678ACE595C9EF1" ma:contentTypeVersion="6" ma:contentTypeDescription="Create a new document." ma:contentTypeScope="" ma:versionID="96941905a5bd858c41e6e19a007536be">
   <xsd:schema xmlns:xsd="http://www.w3.org/2001/XMLSchema" xmlns:xs="http://www.w3.org/2001/XMLSchema" xmlns:p="http://schemas.microsoft.com/office/2006/metadata/properties" xmlns:ns2="a8412b0d-ca24-4985-bf3b-68898b8ebb9c" targetNamespace="http://schemas.microsoft.com/office/2006/metadata/properties" ma:root="true" ma:fieldsID="3a0619957726c51e157eec2a5b706a09" ns2:_="">
     <xsd:import namespace="a8412b0d-ca24-4985-bf3b-68898b8ebb9c"/>
@@ -4325,6 +4314,15 @@
 </ct:contentTypeSchema>
 </file>
 
+<file path=customXml/item3.xml><?xml version="1.0" encoding="utf-8"?>
+<?mso-contentType ?>
+<FormTemplates xmlns="http://schemas.microsoft.com/sharepoint/v3/contenttype/forms">
+  <Display>DocumentLibraryForm</Display>
+  <Edit>DocumentLibraryForm</Edit>
+  <New>DocumentLibraryForm</New>
+</FormTemplates>
+</file>
+
 <file path=customXml/itemProps1.xml><?xml version="1.0" encoding="utf-8"?>
 <ds:datastoreItem xmlns:ds="http://schemas.openxmlformats.org/officeDocument/2006/customXml" ds:itemID="{5AE7F974-4D15-4F98-A54D-78BA46B0AE10}">
   <ds:schemaRefs>
@@ -4342,14 +4340,6 @@
 </file>
 
 <file path=customXml/itemProps2.xml><?xml version="1.0" encoding="utf-8"?>
-<ds:datastoreItem xmlns:ds="http://schemas.openxmlformats.org/officeDocument/2006/customXml" ds:itemID="{8C25F294-F7D2-42E2-B1F6-E88B19279963}">
-  <ds:schemaRefs>
-    <ds:schemaRef ds:uri="http://schemas.microsoft.com/sharepoint/v3/contenttype/forms"/>
-  </ds:schemaRefs>
-</ds:datastoreItem>
-</file>
-
-<file path=customXml/itemProps3.xml><?xml version="1.0" encoding="utf-8"?>
 <ds:datastoreItem xmlns:ds="http://schemas.openxmlformats.org/officeDocument/2006/customXml" ds:itemID="{40FA0708-4E7C-4C2C-BA03-AA2514B2220C}">
   <ds:schemaRefs>
     <ds:schemaRef ds:uri="http://schemas.microsoft.com/office/2006/metadata/contentType"/>
@@ -4365,4 +4355,12 @@
     <ds:schemaRef ds:uri="http://schemas.microsoft.com/internal/obd"/>
   </ds:schemaRefs>
 </ds:datastoreItem>
+</file>
+
+<file path=customXml/itemProps3.xml><?xml version="1.0" encoding="utf-8"?>
+<ds:datastoreItem xmlns:ds="http://schemas.openxmlformats.org/officeDocument/2006/customXml" ds:itemID="{8C25F294-F7D2-42E2-B1F6-E88B19279963}">
+  <ds:schemaRefs>
+    <ds:schemaRef ds:uri="http://schemas.microsoft.com/sharepoint/v3/contenttype/forms"/>
+  </ds:schemaRefs>
+</ds:datastoreItem>
 </file>